--- a/Presentation1.pptx
+++ b/Presentation1.pptx
@@ -3213,7 +3213,7 @@
         <p:spPr bwMode="auto">
           <a:xfrm flipH="0" flipV="0">
             <a:off x="1523999" y="1303907"/>
-            <a:ext cx="9144000" cy="3362001"/>
+            <a:ext cx="9144000" cy="3362000"/>
           </a:xfrm>
         </p:spPr>
         <p:txBody>
@@ -3979,7 +3979,7 @@
                 <a:ea typeface="Arial"/>
                 <a:cs typeface="Arial"/>
               </a:rPr>
-              <a:t>&lt;type&gt;*		- Array</a:t>
+              <a:t>&lt;type&gt;*		- Pointer</a:t>
             </a:r>
             <a:endParaRPr lang="en-US" sz="2200" b="0" i="0" u="none" strike="noStrike" cap="none" spc="0">
               <a:solidFill>
